--- a/static/Course_Modularization/CDC 2022-23/part 2/Shiny_slides_CDC2022.pptx
+++ b/static/Course_Modularization/CDC 2022-23/part 2/Shiny_slides_CDC2022.pptx
@@ -211,7 +211,7 @@
           <a:p>
             <a:fld id="{355EB579-40CB-4787-B284-0CFB497EAD6A}" type="datetimeFigureOut">
               <a:rPr lang="en-US" smtClean="0"/>
-              <a:t>12/7/2022</a:t>
+              <a:t>12/8/2022</a:t>
             </a:fld>
             <a:endParaRPr lang="en-US"/>
           </a:p>
@@ -1710,7 +1710,7 @@
           <a:p>
             <a:fld id="{CB634AAD-AC3C-4F24-B5C0-1761CB9C20B3}" type="datetime1">
               <a:rPr lang="en-US" smtClean="0"/>
-              <a:t>12/7/2022</a:t>
+              <a:t>12/8/2022</a:t>
             </a:fld>
             <a:endParaRPr lang="en-US"/>
           </a:p>
@@ -2048,7 +2048,7 @@
           <a:p>
             <a:fld id="{AF58B934-03E5-4DEE-840D-354C57FF6DD8}" type="datetime1">
               <a:rPr lang="en-US" smtClean="0"/>
-              <a:t>12/7/2022</a:t>
+              <a:t>12/8/2022</a:t>
             </a:fld>
             <a:endParaRPr lang="en-US"/>
           </a:p>
@@ -2237,7 +2237,7 @@
           <a:p>
             <a:fld id="{CDBD6EDD-8212-4CC1-A46C-60F2740FE912}" type="datetime1">
               <a:rPr lang="en-US" smtClean="0"/>
-              <a:t>12/7/2022</a:t>
+              <a:t>12/8/2022</a:t>
             </a:fld>
             <a:endParaRPr lang="en-US"/>
           </a:p>
@@ -2432,7 +2432,7 @@
           <a:p>
             <a:fld id="{ECC9A538-5928-443A-B2DD-6EEAA70C9EA3}" type="datetime1">
               <a:rPr lang="en-US" smtClean="0"/>
-              <a:t>12/7/2022</a:t>
+              <a:t>12/8/2022</a:t>
             </a:fld>
             <a:endParaRPr lang="en-US"/>
           </a:p>
@@ -2589,7 +2589,7 @@
           <a:p>
             <a:fld id="{F9657FAC-F191-4D41-846F-1D23273BCACE}" type="datetime1">
               <a:rPr lang="en-US" smtClean="0"/>
-              <a:t>12/7/2022</a:t>
+              <a:t>12/8/2022</a:t>
             </a:fld>
             <a:endParaRPr lang="en-US"/>
           </a:p>
@@ -2869,7 +2869,7 @@
           <a:p>
             <a:fld id="{F2BFDEF7-F228-4136-A2A2-5D84383ABA85}" type="datetime1">
               <a:rPr lang="en-US" smtClean="0"/>
-              <a:t>12/7/2022</a:t>
+              <a:t>12/8/2022</a:t>
             </a:fld>
             <a:endParaRPr lang="en-US"/>
           </a:p>
@@ -3815,7 +3815,7 @@
           <a:p>
             <a:fld id="{BFCD98B2-BE87-44A5-9DF5-DF786278A694}" type="datetime1">
               <a:rPr lang="en-US" smtClean="0"/>
-              <a:t>12/7/2022</a:t>
+              <a:t>12/8/2022</a:t>
             </a:fld>
             <a:endParaRPr lang="en-US"/>
           </a:p>
@@ -3853,7 +3853,7 @@
           <a:noFill/>
           <a:extLst>
             <a:ext uri="{909E8E84-426E-40dd-AFC4-6F175D3DCCD1}">
-              <a14:hiddenFill xmlns:a14="http://schemas.microsoft.com/office/drawing/2010/main" xmlns="">
+              <a14:hiddenFill xmlns="" xmlns:a14="http://schemas.microsoft.com/office/drawing/2010/main">
                 <a:solidFill>
                   <a:srgbClr val="FFFFFF"/>
                 </a:solidFill>
@@ -3894,7 +3894,7 @@
           <a:noFill/>
           <a:extLst>
             <a:ext uri="{909E8E84-426E-40dd-AFC4-6F175D3DCCD1}">
-              <a14:hiddenFill xmlns:a14="http://schemas.microsoft.com/office/drawing/2010/main" xmlns="">
+              <a14:hiddenFill xmlns="" xmlns:a14="http://schemas.microsoft.com/office/drawing/2010/main">
                 <a:solidFill>
                   <a:srgbClr val="FFFFFF"/>
                 </a:solidFill>
@@ -5272,7 +5272,7 @@
           <a:noFill/>
           <a:extLst>
             <a:ext uri="{909E8E84-426E-40dd-AFC4-6F175D3DCCD1}">
-              <a14:hiddenFill xmlns:a14="http://schemas.microsoft.com/office/drawing/2010/main" xmlns="">
+              <a14:hiddenFill xmlns="" xmlns:a14="http://schemas.microsoft.com/office/drawing/2010/main">
                 <a:solidFill>
                   <a:srgbClr val="FFFFFF"/>
                 </a:solidFill>
@@ -5311,7 +5311,7 @@
           <a:noFill/>
           <a:extLst>
             <a:ext uri="{909E8E84-426E-40dd-AFC4-6F175D3DCCD1}">
-              <a14:hiddenFill xmlns:a14="http://schemas.microsoft.com/office/drawing/2010/main" xmlns="">
+              <a14:hiddenFill xmlns="" xmlns:a14="http://schemas.microsoft.com/office/drawing/2010/main">
                 <a:solidFill>
                   <a:srgbClr val="FFFFFF"/>
                 </a:solidFill>
@@ -5406,7 +5406,7 @@
           <a:noFill/>
           <a:extLst>
             <a:ext uri="{909E8E84-426E-40dd-AFC4-6F175D3DCCD1}">
-              <a14:hiddenFill xmlns:a14="http://schemas.microsoft.com/office/drawing/2010/main" xmlns="">
+              <a14:hiddenFill xmlns="" xmlns:a14="http://schemas.microsoft.com/office/drawing/2010/main">
                 <a:solidFill>
                   <a:srgbClr val="FFFFFF"/>
                 </a:solidFill>
@@ -5447,7 +5447,7 @@
           <a:noFill/>
           <a:extLst>
             <a:ext uri="{909E8E84-426E-40dd-AFC4-6F175D3DCCD1}">
-              <a14:hiddenFill xmlns:a14="http://schemas.microsoft.com/office/drawing/2010/main" xmlns="">
+              <a14:hiddenFill xmlns="" xmlns:a14="http://schemas.microsoft.com/office/drawing/2010/main">
                 <a:solidFill>
                   <a:srgbClr val="FFFFFF"/>
                 </a:solidFill>
@@ -5492,14 +5492,14 @@
           <a:effectLst/>
           <a:extLst>
             <a:ext uri="{909E8E84-426E-40dd-AFC4-6F175D3DCCD1}">
-              <a14:hiddenFill xmlns:a14="http://schemas.microsoft.com/office/drawing/2010/main" xmlns="">
+              <a14:hiddenFill xmlns="" xmlns:a14="http://schemas.microsoft.com/office/drawing/2010/main">
                 <a:solidFill>
                   <a:schemeClr val="accent1"/>
                 </a:solidFill>
               </a14:hiddenFill>
             </a:ext>
             <a:ext uri="{91240B29-F687-4f45-9708-019B960494DF}">
-              <a14:hiddenLine xmlns:a14="http://schemas.microsoft.com/office/drawing/2010/main" xmlns="" w="9525">
+              <a14:hiddenLine xmlns="" xmlns:a14="http://schemas.microsoft.com/office/drawing/2010/main" w="9525">
                 <a:solidFill>
                   <a:schemeClr val="tx1"/>
                 </a:solidFill>
@@ -5509,7 +5509,7 @@
               </a14:hiddenLine>
             </a:ext>
             <a:ext uri="{AF507438-7753-43e0-B8FC-AC1667EBCBE1}">
-              <a14:hiddenEffects xmlns:a14="http://schemas.microsoft.com/office/drawing/2010/main" xmlns="">
+              <a14:hiddenEffects xmlns="" xmlns:a14="http://schemas.microsoft.com/office/drawing/2010/main">
                 <a:effectLst>
                   <a:outerShdw dist="35921" dir="2700000" algn="ctr" rotWithShape="0">
                     <a:schemeClr val="bg2"/>
@@ -5556,14 +5556,14 @@
           <a:effectLst/>
           <a:extLst>
             <a:ext uri="{909E8E84-426E-40dd-AFC4-6F175D3DCCD1}">
-              <a14:hiddenFill xmlns:a14="http://schemas.microsoft.com/office/drawing/2010/main" xmlns="">
+              <a14:hiddenFill xmlns="" xmlns:a14="http://schemas.microsoft.com/office/drawing/2010/main">
                 <a:solidFill>
                   <a:schemeClr val="accent1"/>
                 </a:solidFill>
               </a14:hiddenFill>
             </a:ext>
             <a:ext uri="{91240B29-F687-4f45-9708-019B960494DF}">
-              <a14:hiddenLine xmlns:a14="http://schemas.microsoft.com/office/drawing/2010/main" xmlns="" w="9525">
+              <a14:hiddenLine xmlns="" xmlns:a14="http://schemas.microsoft.com/office/drawing/2010/main" w="9525">
                 <a:solidFill>
                   <a:schemeClr val="tx1"/>
                 </a:solidFill>
@@ -5573,7 +5573,7 @@
               </a14:hiddenLine>
             </a:ext>
             <a:ext uri="{AF507438-7753-43e0-B8FC-AC1667EBCBE1}">
-              <a14:hiddenEffects xmlns:a14="http://schemas.microsoft.com/office/drawing/2010/main" xmlns="">
+              <a14:hiddenEffects xmlns="" xmlns:a14="http://schemas.microsoft.com/office/drawing/2010/main">
                 <a:effectLst>
                   <a:outerShdw dist="35921" dir="2700000" algn="ctr" rotWithShape="0">
                     <a:schemeClr val="bg2"/>
@@ -5998,7 +5998,7 @@
           <a:noFill/>
           <a:extLst>
             <a:ext uri="{909E8E84-426E-40dd-AFC4-6F175D3DCCD1}">
-              <a14:hiddenFill xmlns:a14="http://schemas.microsoft.com/office/drawing/2010/main" xmlns="">
+              <a14:hiddenFill xmlns="" xmlns:a14="http://schemas.microsoft.com/office/drawing/2010/main">
                 <a:solidFill>
                   <a:srgbClr val="FFFFFF"/>
                 </a:solidFill>
@@ -6037,7 +6037,7 @@
           <a:noFill/>
           <a:extLst>
             <a:ext uri="{909E8E84-426E-40dd-AFC4-6F175D3DCCD1}">
-              <a14:hiddenFill xmlns:a14="http://schemas.microsoft.com/office/drawing/2010/main" xmlns="">
+              <a14:hiddenFill xmlns="" xmlns:a14="http://schemas.microsoft.com/office/drawing/2010/main">
                 <a:solidFill>
                   <a:srgbClr val="FFFFFF"/>
                 </a:solidFill>
@@ -6259,7 +6259,7 @@
           <a:noFill/>
           <a:extLst>
             <a:ext uri="{909E8E84-426E-40dd-AFC4-6F175D3DCCD1}">
-              <a14:hiddenFill xmlns:a14="http://schemas.microsoft.com/office/drawing/2010/main" xmlns="">
+              <a14:hiddenFill xmlns="" xmlns:a14="http://schemas.microsoft.com/office/drawing/2010/main">
                 <a:solidFill>
                   <a:srgbClr val="FFFFFF"/>
                 </a:solidFill>
@@ -6306,7 +6306,7 @@
           <a:noFill/>
           <a:extLst>
             <a:ext uri="{909E8E84-426E-40dd-AFC4-6F175D3DCCD1}">
-              <a14:hiddenFill xmlns:a14="http://schemas.microsoft.com/office/drawing/2010/main" xmlns="">
+              <a14:hiddenFill xmlns="" xmlns:a14="http://schemas.microsoft.com/office/drawing/2010/main">
                 <a:solidFill>
                   <a:srgbClr val="FFFFFF"/>
                 </a:solidFill>
@@ -6357,14 +6357,14 @@
           <a:effectLst/>
           <a:extLst>
             <a:ext uri="{909E8E84-426E-40dd-AFC4-6F175D3DCCD1}">
-              <a14:hiddenFill xmlns:a14="http://schemas.microsoft.com/office/drawing/2010/main" xmlns="">
+              <a14:hiddenFill xmlns="" xmlns:a14="http://schemas.microsoft.com/office/drawing/2010/main">
                 <a:solidFill>
                   <a:schemeClr val="accent1"/>
                 </a:solidFill>
               </a14:hiddenFill>
             </a:ext>
             <a:ext uri="{91240B29-F687-4f45-9708-019B960494DF}">
-              <a14:hiddenLine xmlns:a14="http://schemas.microsoft.com/office/drawing/2010/main" xmlns="" w="9525">
+              <a14:hiddenLine xmlns="" xmlns:a14="http://schemas.microsoft.com/office/drawing/2010/main" w="9525">
                 <a:solidFill>
                   <a:schemeClr val="tx1"/>
                 </a:solidFill>
@@ -6374,7 +6374,7 @@
               </a14:hiddenLine>
             </a:ext>
             <a:ext uri="{AF507438-7753-43e0-B8FC-AC1667EBCBE1}">
-              <a14:hiddenEffects xmlns:a14="http://schemas.microsoft.com/office/drawing/2010/main" xmlns="">
+              <a14:hiddenEffects xmlns="" xmlns:a14="http://schemas.microsoft.com/office/drawing/2010/main">
                 <a:effectLst>
                   <a:outerShdw dist="35921" dir="2700000" algn="ctr" rotWithShape="0">
                     <a:schemeClr val="bg2"/>
@@ -6427,14 +6427,14 @@
           <a:effectLst/>
           <a:extLst>
             <a:ext uri="{909E8E84-426E-40dd-AFC4-6F175D3DCCD1}">
-              <a14:hiddenFill xmlns:a14="http://schemas.microsoft.com/office/drawing/2010/main" xmlns="">
+              <a14:hiddenFill xmlns="" xmlns:a14="http://schemas.microsoft.com/office/drawing/2010/main">
                 <a:solidFill>
                   <a:schemeClr val="accent1"/>
                 </a:solidFill>
               </a14:hiddenFill>
             </a:ext>
             <a:ext uri="{91240B29-F687-4f45-9708-019B960494DF}">
-              <a14:hiddenLine xmlns:a14="http://schemas.microsoft.com/office/drawing/2010/main" xmlns="" w="9525">
+              <a14:hiddenLine xmlns="" xmlns:a14="http://schemas.microsoft.com/office/drawing/2010/main" w="9525">
                 <a:solidFill>
                   <a:schemeClr val="tx1"/>
                 </a:solidFill>
@@ -6444,7 +6444,7 @@
               </a14:hiddenLine>
             </a:ext>
             <a:ext uri="{AF507438-7753-43e0-B8FC-AC1667EBCBE1}">
-              <a14:hiddenEffects xmlns:a14="http://schemas.microsoft.com/office/drawing/2010/main" xmlns="">
+              <a14:hiddenEffects xmlns="" xmlns:a14="http://schemas.microsoft.com/office/drawing/2010/main">
                 <a:effectLst>
                   <a:outerShdw dist="35921" dir="2700000" algn="ctr" rotWithShape="0">
                     <a:schemeClr val="bg2"/>
@@ -6625,7 +6625,7 @@
           <a:p>
             <a:fld id="{DDFCD08C-45F2-4972-B58E-0165F8DD73B3}" type="datetime1">
               <a:rPr lang="en-US" smtClean="0"/>
-              <a:t>12/7/2022</a:t>
+              <a:t>12/8/2022</a:t>
             </a:fld>
             <a:endParaRPr lang="en-US"/>
           </a:p>
@@ -6887,7 +6887,7 @@
           <a:p>
             <a:fld id="{66A92A12-140A-45AD-91E4-8A60410740A7}" type="datetime1">
               <a:rPr lang="en-US" smtClean="0"/>
-              <a:t>12/7/2022</a:t>
+              <a:t>12/8/2022</a:t>
             </a:fld>
             <a:endParaRPr lang="en-US"/>
           </a:p>
@@ -7196,7 +7196,7 @@
           <a:p>
             <a:fld id="{52746EDC-9F92-40D0-8564-FB2328CFB04E}" type="datetime1">
               <a:rPr lang="en-US" smtClean="0"/>
-              <a:t>12/7/2022</a:t>
+              <a:t>12/8/2022</a:t>
             </a:fld>
             <a:endParaRPr lang="en-US"/>
           </a:p>
@@ -7650,7 +7650,7 @@
           <a:p>
             <a:fld id="{E96C3F91-7C8C-4FDC-BEC9-93A5968DD22D}" type="datetime1">
               <a:rPr lang="en-US" smtClean="0"/>
-              <a:t>12/7/2022</a:t>
+              <a:t>12/8/2022</a:t>
             </a:fld>
             <a:endParaRPr lang="en-US"/>
           </a:p>
@@ -7789,7 +7789,7 @@
           <a:p>
             <a:fld id="{ED7B798B-8967-4EDE-918B-8E7C60DB7AA6}" type="datetime1">
               <a:rPr lang="en-US" smtClean="0"/>
-              <a:t>12/7/2022</a:t>
+              <a:t>12/8/2022</a:t>
             </a:fld>
             <a:endParaRPr lang="en-US"/>
           </a:p>
@@ -7900,7 +7900,7 @@
           <a:p>
             <a:fld id="{125BCF9E-F679-44BC-9990-211693B5077A}" type="datetime1">
               <a:rPr lang="en-US" smtClean="0"/>
-              <a:t>12/7/2022</a:t>
+              <a:t>12/8/2022</a:t>
             </a:fld>
             <a:endParaRPr lang="en-US"/>
           </a:p>
@@ -8254,7 +8254,7 @@
           <a:p>
             <a:fld id="{F2BFDEF7-F228-4136-A2A2-5D84383ABA85}" type="datetime1">
               <a:rPr lang="en-US" smtClean="0"/>
-              <a:t>12/7/2022</a:t>
+              <a:t>12/8/2022</a:t>
             </a:fld>
             <a:endParaRPr lang="en-US"/>
           </a:p>
@@ -8626,8 +8626,12 @@
           </a:p>
           <a:p>
             <a:r>
+              <a:rPr lang="en-US"/>
+              <a:t>December </a:t>
+            </a:r>
+            <a:r>
               <a:rPr lang="en-US" dirty="0"/>
-              <a:t>November 2021</a:t>
+              <a:t>2022</a:t>
             </a:r>
           </a:p>
           <a:p>
